--- a/overview2.pptx
+++ b/overview2.pptx
@@ -237,7 +237,7 @@
           <a:p>
             <a:fld id="{9DAF894A-70DC-1344-8793-A2A3FB288CFE}" type="datetimeFigureOut">
               <a:rPr lang="en-US" smtClean="0"/>
-              <a:t>2/8/2021</a:t>
+              <a:t>2/15/21</a:t>
             </a:fld>
             <a:endParaRPr lang="en-US"/>
           </a:p>
@@ -414,7 +414,7 @@
           <a:p>
             <a:fld id="{1FC4BE61-C03A-824C-A357-AB09725BFA9E}" type="datetimeFigureOut">
               <a:rPr lang="en-US" smtClean="0"/>
-              <a:t>2/8/2021</a:t>
+              <a:t>2/15/21</a:t>
             </a:fld>
             <a:endParaRPr lang="en-US"/>
           </a:p>
@@ -3608,7 +3608,7 @@
                     </a:schemeClr>
                   </a:solidFill>
                 </a:rPr>
-                <a:t>Model Drift</a:t>
+                <a:t>Model drift</a:t>
               </a:r>
             </a:p>
             <a:p>
@@ -3875,10 +3875,10 @@
         </p:nvGrpSpPr>
         <p:grpSpPr>
           <a:xfrm>
-            <a:off x="2119973" y="157291"/>
-            <a:ext cx="2823827" cy="1379266"/>
-            <a:chOff x="2119973" y="316759"/>
-            <a:chExt cx="2823827" cy="1833908"/>
+            <a:off x="2119974" y="157291"/>
+            <a:ext cx="2823826" cy="1515506"/>
+            <a:chOff x="2119974" y="316759"/>
+            <a:chExt cx="2823826" cy="2015057"/>
           </a:xfrm>
         </p:grpSpPr>
         <p:sp>
@@ -3947,8 +3947,8 @@
           </p:nvSpPr>
           <p:spPr>
             <a:xfrm>
-              <a:off x="2119973" y="1064082"/>
-              <a:ext cx="2823826" cy="1086585"/>
+              <a:off x="2119974" y="1084064"/>
+              <a:ext cx="2785666" cy="1247752"/>
             </a:xfrm>
             <a:prstGeom prst="rect">
               <a:avLst/>
@@ -4012,7 +4012,7 @@
                     </a:schemeClr>
                   </a:solidFill>
                 </a:rPr>
-                <a:t>Robustness of model/feature</a:t>
+                <a:t>Robustness of model/features</a:t>
               </a:r>
             </a:p>
           </p:txBody>

--- a/overview2.pptx
+++ b/overview2.pptx
@@ -3948,7 +3948,7 @@
           <p:spPr>
             <a:xfrm>
               <a:off x="2119974" y="1084064"/>
-              <a:ext cx="2785666" cy="1247752"/>
+              <a:ext cx="2823826" cy="1247752"/>
             </a:xfrm>
             <a:prstGeom prst="rect">
               <a:avLst/>
@@ -4012,7 +4012,7 @@
                     </a:schemeClr>
                   </a:solidFill>
                 </a:rPr>
-                <a:t>Robustness of model/features</a:t>
+                <a:t>Robustness of model/feature</a:t>
               </a:r>
             </a:p>
           </p:txBody>
@@ -4306,7 +4306,7 @@
         </p:nvSpPr>
         <p:spPr>
           <a:xfrm rot="5400000">
-            <a:off x="3396880" y="363397"/>
+            <a:off x="3394727" y="442240"/>
             <a:ext cx="274320" cy="2743200"/>
           </a:xfrm>
           <a:prstGeom prst="rightBrace">
